--- a/snull.pptx
+++ b/snull.pptx
@@ -120,6 +120,11 @@
       </a:defRPr>
     </a:lvl9pPr>
   </p:defaultTextStyle>
+  <p:extLst>
+    <p:ext uri="{EFAFB233-063F-42B5-8137-9DF3F51BA10A}">
+      <p15:sldGuideLst xmlns:p15="http://schemas.microsoft.com/office/powerpoint/2012/main"/>
+    </p:ext>
+  </p:extLst>
 </p:presentation>
 </file>
 
@@ -254,7 +259,7 @@
           <a:p>
             <a:fld id="{E1533CD5-DD2E-4CD0-92DE-4BF0D15C3979}" type="datetimeFigureOut">
               <a:rPr kumimoji="1" lang="ja-JP" altLang="en-US" smtClean="0"/>
-              <a:t>2018/12/18</a:t>
+              <a:t>2018/12/19</a:t>
             </a:fld>
             <a:endParaRPr kumimoji="1" lang="ja-JP" altLang="en-US"/>
           </a:p>
@@ -456,7 +461,7 @@
           <a:p>
             <a:fld id="{E1533CD5-DD2E-4CD0-92DE-4BF0D15C3979}" type="datetimeFigureOut">
               <a:rPr kumimoji="1" lang="ja-JP" altLang="en-US" smtClean="0"/>
-              <a:t>2018/12/18</a:t>
+              <a:t>2018/12/19</a:t>
             </a:fld>
             <a:endParaRPr kumimoji="1" lang="ja-JP" altLang="en-US"/>
           </a:p>
@@ -668,7 +673,7 @@
           <a:p>
             <a:fld id="{E1533CD5-DD2E-4CD0-92DE-4BF0D15C3979}" type="datetimeFigureOut">
               <a:rPr kumimoji="1" lang="ja-JP" altLang="en-US" smtClean="0"/>
-              <a:t>2018/12/18</a:t>
+              <a:t>2018/12/19</a:t>
             </a:fld>
             <a:endParaRPr kumimoji="1" lang="ja-JP" altLang="en-US"/>
           </a:p>
@@ -870,7 +875,7 @@
           <a:p>
             <a:fld id="{E1533CD5-DD2E-4CD0-92DE-4BF0D15C3979}" type="datetimeFigureOut">
               <a:rPr kumimoji="1" lang="ja-JP" altLang="en-US" smtClean="0"/>
-              <a:t>2018/12/18</a:t>
+              <a:t>2018/12/19</a:t>
             </a:fld>
             <a:endParaRPr kumimoji="1" lang="ja-JP" altLang="en-US"/>
           </a:p>
@@ -1116,7 +1121,7 @@
           <a:p>
             <a:fld id="{E1533CD5-DD2E-4CD0-92DE-4BF0D15C3979}" type="datetimeFigureOut">
               <a:rPr kumimoji="1" lang="ja-JP" altLang="en-US" smtClean="0"/>
-              <a:t>2018/12/18</a:t>
+              <a:t>2018/12/19</a:t>
             </a:fld>
             <a:endParaRPr kumimoji="1" lang="ja-JP" altLang="en-US"/>
           </a:p>
@@ -1412,7 +1417,7 @@
           <a:p>
             <a:fld id="{E1533CD5-DD2E-4CD0-92DE-4BF0D15C3979}" type="datetimeFigureOut">
               <a:rPr kumimoji="1" lang="ja-JP" altLang="en-US" smtClean="0"/>
-              <a:t>2018/12/18</a:t>
+              <a:t>2018/12/19</a:t>
             </a:fld>
             <a:endParaRPr kumimoji="1" lang="ja-JP" altLang="en-US"/>
           </a:p>
@@ -1843,7 +1848,7 @@
           <a:p>
             <a:fld id="{E1533CD5-DD2E-4CD0-92DE-4BF0D15C3979}" type="datetimeFigureOut">
               <a:rPr kumimoji="1" lang="ja-JP" altLang="en-US" smtClean="0"/>
-              <a:t>2018/12/18</a:t>
+              <a:t>2018/12/19</a:t>
             </a:fld>
             <a:endParaRPr kumimoji="1" lang="ja-JP" altLang="en-US"/>
           </a:p>
@@ -1961,7 +1966,7 @@
           <a:p>
             <a:fld id="{E1533CD5-DD2E-4CD0-92DE-4BF0D15C3979}" type="datetimeFigureOut">
               <a:rPr kumimoji="1" lang="ja-JP" altLang="en-US" smtClean="0"/>
-              <a:t>2018/12/18</a:t>
+              <a:t>2018/12/19</a:t>
             </a:fld>
             <a:endParaRPr kumimoji="1" lang="ja-JP" altLang="en-US"/>
           </a:p>
@@ -2056,7 +2061,7 @@
           <a:p>
             <a:fld id="{E1533CD5-DD2E-4CD0-92DE-4BF0D15C3979}" type="datetimeFigureOut">
               <a:rPr kumimoji="1" lang="ja-JP" altLang="en-US" smtClean="0"/>
-              <a:t>2018/12/18</a:t>
+              <a:t>2018/12/19</a:t>
             </a:fld>
             <a:endParaRPr kumimoji="1" lang="ja-JP" altLang="en-US"/>
           </a:p>
@@ -2365,7 +2370,7 @@
           <a:p>
             <a:fld id="{E1533CD5-DD2E-4CD0-92DE-4BF0D15C3979}" type="datetimeFigureOut">
               <a:rPr kumimoji="1" lang="ja-JP" altLang="en-US" smtClean="0"/>
-              <a:t>2018/12/18</a:t>
+              <a:t>2018/12/19</a:t>
             </a:fld>
             <a:endParaRPr kumimoji="1" lang="ja-JP" altLang="en-US"/>
           </a:p>
@@ -2618,7 +2623,7 @@
           <a:p>
             <a:fld id="{E1533CD5-DD2E-4CD0-92DE-4BF0D15C3979}" type="datetimeFigureOut">
               <a:rPr kumimoji="1" lang="ja-JP" altLang="en-US" smtClean="0"/>
-              <a:t>2018/12/18</a:t>
+              <a:t>2018/12/19</a:t>
             </a:fld>
             <a:endParaRPr kumimoji="1" lang="ja-JP" altLang="en-US"/>
           </a:p>
@@ -2863,7 +2868,7 @@
           <a:p>
             <a:fld id="{E1533CD5-DD2E-4CD0-92DE-4BF0D15C3979}" type="datetimeFigureOut">
               <a:rPr kumimoji="1" lang="ja-JP" altLang="en-US" smtClean="0"/>
-              <a:t>2018/12/18</a:t>
+              <a:t>2018/12/19</a:t>
             </a:fld>
             <a:endParaRPr kumimoji="1" lang="ja-JP" altLang="en-US"/>
           </a:p>
@@ -7403,7 +7408,7 @@
         <p:spPr>
           <a:xfrm>
             <a:off x="8367709" y="3829017"/>
-            <a:ext cx="3587214" cy="2031325"/>
+            <a:ext cx="3587214" cy="2585323"/>
           </a:xfrm>
           <a:prstGeom prst="rect">
             <a:avLst/>
@@ -7458,7 +7463,23 @@
             </a:r>
             <a:r>
               <a:rPr lang="ja-JP" altLang="en-US" dirty="0" smtClean="0"/>
-              <a:t>を送信する．</a:t>
+              <a:t>を送信する</a:t>
+            </a:r>
+            <a:r>
+              <a:rPr lang="ja-JP" altLang="en-US" dirty="0" smtClean="0"/>
+              <a:t>．</a:t>
+            </a:r>
+            <a:r>
+              <a:rPr lang="en-US" altLang="ja-JP" dirty="0" smtClean="0"/>
+              <a:t>[923](</a:t>
+            </a:r>
+            <a:r>
+              <a:rPr lang="ja-JP" altLang="en-US" dirty="0" smtClean="0"/>
+              <a:t>本体</a:t>
+            </a:r>
+            <a:r>
+              <a:rPr lang="en-US" altLang="ja-JP" dirty="0" smtClean="0"/>
+              <a:t>)[771]</a:t>
             </a:r>
             <a:endParaRPr lang="en-US" altLang="ja-JP" dirty="0" smtClean="0"/>
           </a:p>
@@ -7489,7 +7510,15 @@
             </a:r>
             <a:r>
               <a:rPr lang="ja-JP" altLang="en-US" dirty="0" smtClean="0"/>
-              <a:t>もしない．</a:t>
+              <a:t>もしない</a:t>
+            </a:r>
+            <a:r>
+              <a:rPr lang="ja-JP" altLang="en-US" dirty="0" smtClean="0"/>
+              <a:t>．</a:t>
+            </a:r>
+            <a:r>
+              <a:rPr lang="en-US" altLang="ja-JP" dirty="0" smtClean="0"/>
+              <a:t>[773]</a:t>
             </a:r>
             <a:endParaRPr lang="en-US" altLang="ja-JP" dirty="0" smtClean="0"/>
           </a:p>
@@ -11399,6 +11428,70 @@
           </a:p>
         </p:txBody>
       </p:sp>
+      <p:sp>
+        <p:nvSpPr>
+          <p:cNvPr id="123" name="テキスト ボックス 122"/>
+          <p:cNvSpPr txBox="1"/>
+          <p:nvPr/>
+        </p:nvSpPr>
+        <p:spPr>
+          <a:xfrm>
+            <a:off x="8367709" y="3844783"/>
+            <a:ext cx="3587214" cy="646331"/>
+          </a:xfrm>
+          <a:prstGeom prst="rect">
+            <a:avLst/>
+          </a:prstGeom>
+          <a:noFill/>
+        </p:spPr>
+        <p:txBody>
+          <a:bodyPr wrap="square" rtlCol="0">
+            <a:spAutoFit/>
+          </a:bodyPr>
+          <a:lstStyle/>
+          <a:p>
+            <a:r>
+              <a:rPr lang="en-US" altLang="ja-JP" dirty="0" smtClean="0"/>
+              <a:t>1.   </a:t>
+            </a:r>
+            <a:r>
+              <a:rPr lang="ja-JP" altLang="en-US" dirty="0" smtClean="0"/>
+              <a:t>受信ルーチンの呼出し</a:t>
+            </a:r>
+            <a:endParaRPr lang="en-US" altLang="ja-JP" dirty="0" smtClean="0"/>
+          </a:p>
+          <a:p>
+            <a:r>
+              <a:rPr lang="en-US" altLang="ja-JP" dirty="0"/>
+              <a:t> </a:t>
+            </a:r>
+            <a:r>
+              <a:rPr lang="en-US" altLang="ja-JP" dirty="0" smtClean="0"/>
+              <a:t>     (a</a:t>
+            </a:r>
+            <a:r>
+              <a:rPr lang="en-US" altLang="ja-JP" dirty="0"/>
+              <a:t>). </a:t>
+            </a:r>
+            <a:r>
+              <a:rPr lang="en-US" altLang="ja-JP" dirty="0" smtClean="0"/>
+              <a:t>  </a:t>
+            </a:r>
+            <a:r>
+              <a:rPr lang="en-US" altLang="ja-JP" dirty="0" err="1" smtClean="0"/>
+              <a:t>snull_poll</a:t>
+            </a:r>
+            <a:r>
+              <a:rPr lang="en-US" altLang="ja-JP" dirty="0"/>
+              <a:t>() [</a:t>
+            </a:r>
+            <a:r>
+              <a:rPr lang="en-US" altLang="ja-JP" dirty="0" smtClean="0"/>
+              <a:t>541]</a:t>
+            </a:r>
+          </a:p>
+        </p:txBody>
+      </p:sp>
     </p:spTree>
     <p:extLst>
       <p:ext uri="{BB962C8B-B14F-4D97-AF65-F5344CB8AC3E}">
@@ -15320,7 +15413,15 @@
             </a:pPr>
             <a:r>
               <a:rPr lang="ja-JP" altLang="en-US" dirty="0" smtClean="0"/>
-              <a:t>ロックを取得する．</a:t>
+              <a:t>ロックを取得する</a:t>
+            </a:r>
+            <a:r>
+              <a:rPr lang="ja-JP" altLang="en-US" dirty="0" smtClean="0"/>
+              <a:t>．</a:t>
+            </a:r>
+            <a:r>
+              <a:rPr lang="en-US" altLang="ja-JP" dirty="0" smtClean="0"/>
+              <a:t>[594]</a:t>
             </a:r>
             <a:endParaRPr kumimoji="1" lang="en-US" altLang="ja-JP" dirty="0" smtClean="0"/>
           </a:p>
@@ -19245,7 +19346,15 @@
             </a:r>
             <a:r>
               <a:rPr lang="ja-JP" altLang="en-US" dirty="0" smtClean="0"/>
-              <a:t>つずらす．</a:t>
+              <a:t>つずらす</a:t>
+            </a:r>
+            <a:r>
+              <a:rPr lang="ja-JP" altLang="en-US" dirty="0" smtClean="0"/>
+              <a:t>．</a:t>
+            </a:r>
+            <a:r>
+              <a:rPr lang="en-US" altLang="ja-JP" dirty="0" smtClean="0"/>
+              <a:t>[609]</a:t>
             </a:r>
             <a:endParaRPr lang="en-US" altLang="ja-JP" dirty="0" smtClean="0"/>
           </a:p>
@@ -19276,7 +19385,15 @@
             </a:r>
             <a:r>
               <a:rPr kumimoji="1" lang="ja-JP" altLang="en-US" dirty="0" smtClean="0"/>
-              <a:t>であれば，この処理は行わない．</a:t>
+              <a:t>であれば，この処理は行わない</a:t>
+            </a:r>
+            <a:r>
+              <a:rPr kumimoji="1" lang="ja-JP" altLang="en-US" dirty="0" smtClean="0"/>
+              <a:t>．</a:t>
+            </a:r>
+            <a:r>
+              <a:rPr kumimoji="1" lang="en-US" altLang="ja-JP" dirty="0" smtClean="0"/>
+              <a:t>[595-602]</a:t>
             </a:r>
             <a:endParaRPr kumimoji="1" lang="en-US" altLang="ja-JP" dirty="0" smtClean="0"/>
           </a:p>
@@ -19327,7 +19444,15 @@
             </a:r>
             <a:r>
               <a:rPr lang="ja-JP" altLang="en-US" dirty="0" smtClean="0"/>
-              <a:t>に書き換え，受信を終了する．</a:t>
+              <a:t>に書き換え，受信を終了する</a:t>
+            </a:r>
+            <a:r>
+              <a:rPr lang="ja-JP" altLang="en-US" dirty="0" smtClean="0"/>
+              <a:t>．</a:t>
+            </a:r>
+            <a:r>
+              <a:rPr lang="en-US" altLang="ja-JP" dirty="0" smtClean="0"/>
+              <a:t>[600]</a:t>
             </a:r>
             <a:endParaRPr lang="en-US" altLang="ja-JP" dirty="0" smtClean="0"/>
           </a:p>
@@ -23259,8 +23384,12 @@
               <a:t>1 </a:t>
             </a:r>
             <a:r>
-              <a:rPr lang="ja-JP" altLang="en-US" dirty="0"/>
-              <a:t>増やす</a:t>
+              <a:rPr lang="ja-JP" altLang="en-US" dirty="0" smtClean="0"/>
+              <a:t>増やす．</a:t>
+            </a:r>
+            <a:r>
+              <a:rPr lang="en-US" altLang="ja-JP" dirty="0" smtClean="0"/>
+              <a:t>[611]</a:t>
             </a:r>
             <a:endParaRPr lang="en-US" altLang="ja-JP" dirty="0"/>
           </a:p>
@@ -27179,7 +27308,15 @@
             </a:pPr>
             <a:r>
               <a:rPr lang="ja-JP" altLang="en-US" dirty="0" smtClean="0"/>
-              <a:t>ロックを開放する．</a:t>
+              <a:t>ロックを開放する</a:t>
+            </a:r>
+            <a:r>
+              <a:rPr lang="ja-JP" altLang="en-US" dirty="0" smtClean="0"/>
+              <a:t>．</a:t>
+            </a:r>
+            <a:r>
+              <a:rPr lang="en-US" altLang="ja-JP" dirty="0" smtClean="0"/>
+              <a:t>[612]</a:t>
             </a:r>
             <a:endParaRPr kumimoji="1" lang="en-US" altLang="ja-JP" dirty="0" smtClean="0"/>
           </a:p>
@@ -31104,7 +31241,15 @@
             </a:r>
             <a:r>
               <a:rPr lang="ja-JP" altLang="en-US" dirty="0" smtClean="0"/>
-              <a:t>をコピーし，プロトコルスタックへ渡す．</a:t>
+              <a:t>をコピーし，プロトコルスタックへ渡す</a:t>
+            </a:r>
+            <a:r>
+              <a:rPr lang="ja-JP" altLang="en-US" dirty="0" smtClean="0"/>
+              <a:t>．</a:t>
+            </a:r>
+            <a:r>
+              <a:rPr lang="en-US" altLang="ja-JP" dirty="0" smtClean="0"/>
+              <a:t>[641-656]</a:t>
             </a:r>
             <a:endParaRPr kumimoji="1" lang="en-US" altLang="ja-JP" dirty="0" smtClean="0"/>
           </a:p>
@@ -35000,7 +35145,7 @@
         <p:spPr>
           <a:xfrm>
             <a:off x="8367709" y="3829017"/>
-            <a:ext cx="3587214" cy="1477328"/>
+            <a:ext cx="3587214" cy="1754326"/>
           </a:xfrm>
           <a:prstGeom prst="rect">
             <a:avLst/>
@@ -35027,7 +35172,15 @@
             </a:r>
             <a:r>
               <a:rPr lang="ja-JP" altLang="en-US" dirty="0" smtClean="0"/>
-              <a:t>に書き換え，受信済みパケットの格納されている領域を開放する．</a:t>
+              <a:t>に書き換え，受信済みパケットの格納されている領域を開放する</a:t>
+            </a:r>
+            <a:r>
+              <a:rPr lang="ja-JP" altLang="en-US" dirty="0" smtClean="0"/>
+              <a:t>．</a:t>
+            </a:r>
+            <a:r>
+              <a:rPr lang="en-US" altLang="ja-JP" dirty="0" smtClean="0"/>
+              <a:t>[644]</a:t>
             </a:r>
             <a:endParaRPr lang="en-US" altLang="ja-JP" dirty="0" smtClean="0"/>
           </a:p>
@@ -38816,6 +38969,81 @@
           </a:p>
         </p:txBody>
       </p:sp>
+      <p:sp>
+        <p:nvSpPr>
+          <p:cNvPr id="111" name="テキスト ボックス 110"/>
+          <p:cNvSpPr txBox="1"/>
+          <p:nvPr/>
+        </p:nvSpPr>
+        <p:spPr>
+          <a:xfrm>
+            <a:off x="8367709" y="3844783"/>
+            <a:ext cx="3587214" cy="923330"/>
+          </a:xfrm>
+          <a:prstGeom prst="rect">
+            <a:avLst/>
+          </a:prstGeom>
+          <a:noFill/>
+        </p:spPr>
+        <p:txBody>
+          <a:bodyPr wrap="square" rtlCol="0">
+            <a:spAutoFit/>
+          </a:bodyPr>
+          <a:lstStyle/>
+          <a:p>
+            <a:r>
+              <a:rPr lang="en-US" altLang="ja-JP" dirty="0" smtClean="0"/>
+              <a:t>1.   </a:t>
+            </a:r>
+            <a:r>
+              <a:rPr lang="ja-JP" altLang="en-US" dirty="0" smtClean="0"/>
+              <a:t>送信ルーチンの呼出し</a:t>
+            </a:r>
+            <a:endParaRPr lang="en-US" altLang="ja-JP" dirty="0" smtClean="0"/>
+          </a:p>
+          <a:p>
+            <a:r>
+              <a:rPr lang="en-US" altLang="ja-JP" dirty="0"/>
+              <a:t> </a:t>
+            </a:r>
+            <a:r>
+              <a:rPr lang="en-US" altLang="ja-JP" dirty="0" smtClean="0"/>
+              <a:t>     (a).   </a:t>
+            </a:r>
+            <a:r>
+              <a:rPr lang="en-US" altLang="ja-JP" dirty="0" err="1" smtClean="0"/>
+              <a:t>snull_tx</a:t>
+            </a:r>
+            <a:r>
+              <a:rPr lang="en-US" altLang="ja-JP" dirty="0"/>
+              <a:t>() </a:t>
+            </a:r>
+            <a:r>
+              <a:rPr lang="en-US" altLang="ja-JP" dirty="0" smtClean="0"/>
+              <a:t>[954]</a:t>
+            </a:r>
+          </a:p>
+          <a:p>
+            <a:r>
+              <a:rPr lang="en-US" altLang="ja-JP" dirty="0" smtClean="0"/>
+              <a:t>      (b).   </a:t>
+            </a:r>
+            <a:r>
+              <a:rPr lang="en-US" altLang="ja-JP" dirty="0" err="1" smtClean="0"/>
+              <a:t>snull_hw_tx</a:t>
+            </a:r>
+            <a:r>
+              <a:rPr lang="en-US" altLang="ja-JP" dirty="0"/>
+              <a:t>() [</a:t>
+            </a:r>
+            <a:r>
+              <a:rPr lang="en-US" altLang="ja-JP" dirty="0" smtClean="0"/>
+              <a:t>784]</a:t>
+            </a:r>
+            <a:endParaRPr kumimoji="1" lang="ja-JP" altLang="en-US" dirty="0"/>
+          </a:p>
+        </p:txBody>
+      </p:sp>
     </p:spTree>
     <p:extLst>
       <p:ext uri="{BB962C8B-B14F-4D97-AF65-F5344CB8AC3E}">
@@ -41945,7 +42173,7 @@
         <p:spPr>
           <a:xfrm>
             <a:off x="8367709" y="3829017"/>
-            <a:ext cx="3587214" cy="1477328"/>
+            <a:ext cx="3587214" cy="1754326"/>
           </a:xfrm>
           <a:prstGeom prst="rect">
             <a:avLst/>
@@ -41964,7 +42192,15 @@
             </a:pPr>
             <a:r>
               <a:rPr lang="ja-JP" altLang="en-US" dirty="0" smtClean="0"/>
-              <a:t>バッファ管理領域を先頭から探索し，空き領域を確保する．</a:t>
+              <a:t>バッファ管理領域を先頭から探索し，空き領域を確保する</a:t>
+            </a:r>
+            <a:r>
+              <a:rPr lang="ja-JP" altLang="en-US" dirty="0" smtClean="0"/>
+              <a:t>．</a:t>
+            </a:r>
+            <a:r>
+              <a:rPr lang="en-US" altLang="ja-JP" dirty="0" smtClean="0"/>
+              <a:t>[867-873]</a:t>
             </a:r>
             <a:endParaRPr lang="en-US" altLang="ja-JP" dirty="0" smtClean="0"/>
           </a:p>
@@ -42011,7 +42247,15 @@
             </a:r>
             <a:r>
               <a:rPr kumimoji="1" lang="ja-JP" altLang="en-US" dirty="0" smtClean="0"/>
-              <a:t>間で競合しない．</a:t>
+              <a:t>間で競合しない</a:t>
+            </a:r>
+            <a:r>
+              <a:rPr kumimoji="1" lang="ja-JP" altLang="en-US" dirty="0" smtClean="0"/>
+              <a:t>．</a:t>
+            </a:r>
+            <a:r>
+              <a:rPr kumimoji="1" lang="en-US" altLang="ja-JP" dirty="0" smtClean="0"/>
+              <a:t>[868]</a:t>
             </a:r>
             <a:endParaRPr kumimoji="1" lang="ja-JP" altLang="en-US" dirty="0"/>
           </a:p>
@@ -45888,7 +46132,15 @@
             </a:pPr>
             <a:r>
               <a:rPr kumimoji="1" lang="ja-JP" altLang="en-US" dirty="0" smtClean="0"/>
-              <a:t>確保した送受信バッファの領域にパケットを格納する．</a:t>
+              <a:t>確保した送受信バッファの領域にパケットを格納する</a:t>
+            </a:r>
+            <a:r>
+              <a:rPr kumimoji="1" lang="ja-JP" altLang="en-US" dirty="0" smtClean="0"/>
+              <a:t>．</a:t>
+            </a:r>
+            <a:r>
+              <a:rPr kumimoji="1" lang="en-US" altLang="ja-JP" dirty="0" smtClean="0"/>
+              <a:t>[885]</a:t>
             </a:r>
             <a:endParaRPr kumimoji="1" lang="en-US" altLang="ja-JP" dirty="0" smtClean="0"/>
           </a:p>
@@ -49788,7 +50040,15 @@
             </a:r>
             <a:r>
               <a:rPr lang="ja-JP" altLang="en-US" dirty="0" smtClean="0"/>
-              <a:t>を取得する．</a:t>
+              <a:t>を取得する</a:t>
+            </a:r>
+            <a:r>
+              <a:rPr lang="ja-JP" altLang="en-US" dirty="0" smtClean="0"/>
+              <a:t>．</a:t>
+            </a:r>
+            <a:r>
+              <a:rPr lang="en-US" altLang="ja-JP" dirty="0" smtClean="0"/>
+              <a:t>[893]</a:t>
             </a:r>
             <a:endParaRPr lang="en-US" altLang="ja-JP" dirty="0" smtClean="0"/>
           </a:p>
@@ -53725,7 +53985,7 @@
         <p:spPr>
           <a:xfrm>
             <a:off x="8367709" y="3829017"/>
-            <a:ext cx="3587214" cy="923330"/>
+            <a:ext cx="3587214" cy="1200329"/>
           </a:xfrm>
           <a:prstGeom prst="rect">
             <a:avLst/>
@@ -53753,6 +54013,14 @@
             <a:r>
               <a:rPr kumimoji="1" lang="ja-JP" altLang="en-US" dirty="0" smtClean="0"/>
               <a:t>書き込む</a:t>
+            </a:r>
+            <a:r>
+              <a:rPr lang="ja-JP" altLang="en-US" dirty="0" smtClean="0"/>
+              <a:t>．</a:t>
+            </a:r>
+            <a:r>
+              <a:rPr lang="en-US" altLang="ja-JP" dirty="0" smtClean="0"/>
+              <a:t>[896]</a:t>
             </a:r>
             <a:endParaRPr kumimoji="1" lang="en-US" altLang="ja-JP" dirty="0" smtClean="0"/>
           </a:p>
@@ -58236,6 +58504,10 @@
               <a:rPr kumimoji="1" lang="ja-JP" altLang="en-US" dirty="0" smtClean="0"/>
               <a:t>増やす</a:t>
             </a:r>
+            <a:r>
+              <a:rPr kumimoji="1" lang="en-US" altLang="ja-JP" dirty="0" smtClean="0"/>
+              <a:t>[897]</a:t>
+            </a:r>
             <a:endParaRPr kumimoji="1" lang="en-US" altLang="ja-JP" dirty="0" smtClean="0"/>
           </a:p>
         </p:txBody>
@@ -62135,7 +62407,23 @@
             </a:pPr>
             <a:r>
               <a:rPr lang="ja-JP" altLang="en-US" dirty="0" smtClean="0"/>
-              <a:t>ロックを開放する．</a:t>
+              <a:t>ロックを開放する</a:t>
+            </a:r>
+            <a:r>
+              <a:rPr lang="ja-JP" altLang="en-US" dirty="0" smtClean="0"/>
+              <a:t>．</a:t>
+            </a:r>
+            <a:r>
+              <a:rPr lang="en-US" altLang="ja-JP" dirty="0" smtClean="0"/>
+              <a:t>[898</a:t>
+            </a:r>
+            <a:r>
+              <a:rPr lang="ja-JP" altLang="en-US" dirty="0" err="1" smtClean="0"/>
+              <a:t>，</a:t>
+            </a:r>
+            <a:r>
+              <a:rPr lang="en-US" altLang="ja-JP" dirty="0" smtClean="0"/>
+              <a:t>901]</a:t>
             </a:r>
             <a:endParaRPr kumimoji="1" lang="en-US" altLang="ja-JP" dirty="0" smtClean="0"/>
           </a:p>
@@ -66022,7 +66310,7 @@
         <p:spPr>
           <a:xfrm>
             <a:off x="8367709" y="3829017"/>
-            <a:ext cx="3587214" cy="923330"/>
+            <a:ext cx="3587214" cy="1200329"/>
           </a:xfrm>
           <a:prstGeom prst="rect">
             <a:avLst/>
@@ -66074,6 +66362,10 @@
             <a:r>
               <a:rPr lang="ja-JP" altLang="en-US" dirty="0" err="1" smtClean="0"/>
               <a:t>．</a:t>
+            </a:r>
+            <a:r>
+              <a:rPr lang="en-US" altLang="ja-JP" dirty="0" smtClean="0"/>
+              <a:t>[899]</a:t>
             </a:r>
             <a:endParaRPr kumimoji="1" lang="en-US" altLang="ja-JP" dirty="0" smtClean="0"/>
           </a:p>
